--- a/lesson_1/lesson_1_ger.pptx
+++ b/lesson_1/lesson_1_ger.pptx
@@ -18567,21 +18567,18 @@
           </a:bodyPr>
           <a:lstStyle/>
           <a:p>
-            <a:pPr marL="0" lvl="0" indent="0" algn="l" rtl="0">
-              <a:spcBef>
-                <a:spcPts val="0"/>
-              </a:spcBef>
+            <a:pPr marL="0" indent="0">
               <a:spcAft>
                 <a:spcPts val="2100"/>
               </a:spcAft>
               <a:buNone/>
             </a:pPr>
             <a:r>
-              <a:rPr lang="en" dirty="0"/>
-              <a:t>Installation</a:t>
+              <a:rPr lang="en-US" dirty="0"/>
+              <a:t>Basics</a:t>
             </a:r>
             <a:br>
-              <a:rPr lang="en" dirty="0"/>
+              <a:rPr lang="en-US" dirty="0"/>
             </a:br>
             <a:r>
               <a:rPr lang="en" dirty="0">
@@ -18589,8 +18586,9 @@
                   <a:schemeClr val="accent1"/>
                 </a:solidFill>
               </a:rPr>
-              <a:t>Python/ IDE</a:t>
+              <a:t>Variablen/ Datentypen</a:t>
             </a:r>
+            <a:endParaRPr lang="en-US" dirty="0"/>
           </a:p>
         </p:txBody>
       </p:sp>
@@ -18619,29 +18617,27 @@
           </a:bodyPr>
           <a:lstStyle/>
           <a:p>
-            <a:pPr marL="0" lvl="0" indent="0" algn="l" rtl="0">
-              <a:spcBef>
-                <a:spcPts val="0"/>
-              </a:spcBef>
+            <a:pPr marL="0" indent="0">
               <a:spcAft>
                 <a:spcPts val="2100"/>
               </a:spcAft>
               <a:buNone/>
             </a:pPr>
             <a:r>
+              <a:rPr lang="en-US" dirty="0">
+                <a:solidFill>
+                  <a:schemeClr val="accent3"/>
+                </a:solidFill>
+              </a:rPr>
+              <a:t>IDE</a:t>
+            </a:r>
+            <a:r>
               <a:rPr lang="en-US" dirty="0"/>
-              <a:t>Basics</a:t>
+              <a:t> </a:t>
             </a:r>
-            <a:br>
-              <a:rPr lang="en-US" dirty="0"/>
-            </a:br>
             <a:r>
-              <a:rPr lang="en" dirty="0">
-                <a:solidFill>
-                  <a:schemeClr val="accent1"/>
-                </a:solidFill>
-              </a:rPr>
-              <a:t>Variablen/ Datentypen</a:t>
+              <a:rPr lang="en-US" dirty="0" err="1"/>
+              <a:t>erklärt</a:t>
             </a:r>
             <a:endParaRPr lang="en-US" dirty="0"/>
           </a:p>
@@ -18824,32 +18820,27 @@
           </a:bodyPr>
           <a:lstStyle/>
           <a:p>
-            <a:pPr marL="0" lvl="0" indent="0" algn="l" rtl="0">
-              <a:spcBef>
-                <a:spcPts val="0"/>
-              </a:spcBef>
+            <a:pPr marL="0" indent="0">
               <a:spcAft>
                 <a:spcPts val="2100"/>
               </a:spcAft>
               <a:buNone/>
             </a:pPr>
             <a:r>
-              <a:rPr lang="en-US" dirty="0">
-                <a:solidFill>
-                  <a:schemeClr val="accent3"/>
+              <a:rPr lang="en" dirty="0"/>
+              <a:t>Installation</a:t>
+            </a:r>
+            <a:br>
+              <a:rPr lang="en" dirty="0"/>
+            </a:br>
+            <a:r>
+              <a:rPr lang="en" dirty="0">
+                <a:solidFill>
+                  <a:schemeClr val="accent1"/>
                 </a:solidFill>
               </a:rPr>
-              <a:t>IDE</a:t>
+              <a:t>Python/ IDE</a:t>
             </a:r>
-            <a:r>
-              <a:rPr lang="en-US" dirty="0"/>
-              <a:t> </a:t>
-            </a:r>
-            <a:r>
-              <a:rPr lang="en-US" dirty="0" err="1"/>
-              <a:t>erklärt</a:t>
-            </a:r>
-            <a:endParaRPr dirty="0"/>
           </a:p>
         </p:txBody>
       </p:sp>
@@ -19586,13 +19577,13 @@
   <p:clrMapOvr>
     <a:masterClrMapping/>
   </p:clrMapOvr>
-  <mc:AlternateContent xmlns:mc="http://schemas.openxmlformats.org/markup-compatibility/2006">
-    <mc:Choice xmlns:p159="http://schemas.microsoft.com/office/powerpoint/2015/09/main" Requires="p159">
+  <mc:AlternateContent xmlns:mc="http://schemas.openxmlformats.org/markup-compatibility/2006" xmlns:p159="http://schemas.microsoft.com/office/powerpoint/2015/09/main">
+    <mc:Choice Requires="p159">
       <p:transition spd="med">
         <p159:morph option="byObject"/>
       </p:transition>
     </mc:Choice>
-    <mc:Fallback>
+    <mc:Fallback xmlns="">
       <p:transition spd="med">
         <p:fade/>
       </p:transition>
@@ -20266,13 +20257,13 @@
   <p:clrMapOvr>
     <a:masterClrMapping/>
   </p:clrMapOvr>
-  <mc:AlternateContent xmlns:mc="http://schemas.openxmlformats.org/markup-compatibility/2006">
-    <mc:Choice xmlns:p159="http://schemas.microsoft.com/office/powerpoint/2015/09/main" Requires="p159">
+  <mc:AlternateContent xmlns:mc="http://schemas.openxmlformats.org/markup-compatibility/2006" xmlns:p159="http://schemas.microsoft.com/office/powerpoint/2015/09/main">
+    <mc:Choice Requires="p159">
       <p:transition spd="med">
         <p159:morph option="byObject"/>
       </p:transition>
     </mc:Choice>
-    <mc:Fallback>
+    <mc:Fallback xmlns="">
       <p:transition spd="med">
         <p:fade/>
       </p:transition>
@@ -21106,13 +21097,13 @@
   <p:clrMapOvr>
     <a:masterClrMapping/>
   </p:clrMapOvr>
-  <mc:AlternateContent xmlns:mc="http://schemas.openxmlformats.org/markup-compatibility/2006">
-    <mc:Choice xmlns:p159="http://schemas.microsoft.com/office/powerpoint/2015/09/main" Requires="p159">
+  <mc:AlternateContent xmlns:mc="http://schemas.openxmlformats.org/markup-compatibility/2006" xmlns:p159="http://schemas.microsoft.com/office/powerpoint/2015/09/main">
+    <mc:Choice Requires="p159">
       <p:transition spd="med">
         <p159:morph option="byObject"/>
       </p:transition>
     </mc:Choice>
-    <mc:Fallback>
+    <mc:Fallback xmlns="">
       <p:transition spd="med">
         <p:fade/>
       </p:transition>
@@ -21795,13 +21786,13 @@
   <p:clrMapOvr>
     <a:masterClrMapping/>
   </p:clrMapOvr>
-  <mc:AlternateContent xmlns:mc="http://schemas.openxmlformats.org/markup-compatibility/2006">
-    <mc:Choice xmlns:p159="http://schemas.microsoft.com/office/powerpoint/2015/09/main" Requires="p159">
+  <mc:AlternateContent xmlns:mc="http://schemas.openxmlformats.org/markup-compatibility/2006" xmlns:p159="http://schemas.microsoft.com/office/powerpoint/2015/09/main">
+    <mc:Choice Requires="p159">
       <p:transition spd="med">
         <p159:morph option="byObject"/>
       </p:transition>
     </mc:Choice>
-    <mc:Fallback>
+    <mc:Fallback xmlns="">
       <p:transition spd="med">
         <p:fade/>
       </p:transition>

--- a/lesson_1/lesson_1_ger.pptx
+++ b/lesson_1/lesson_1_ger.pptx
@@ -5,7 +5,7 @@
     <p:sldMasterId id="2147483668" r:id="rId1"/>
   </p:sldMasterIdLst>
   <p:notesMasterIdLst>
-    <p:notesMasterId r:id="rId15"/>
+    <p:notesMasterId r:id="rId16"/>
   </p:notesMasterIdLst>
   <p:sldIdLst>
     <p:sldId id="256" r:id="rId2"/>
@@ -19,36 +19,37 @@
     <p:sldId id="259" r:id="rId10"/>
     <p:sldId id="283" r:id="rId11"/>
     <p:sldId id="263" r:id="rId12"/>
-    <p:sldId id="264" r:id="rId13"/>
-    <p:sldId id="278" r:id="rId14"/>
+    <p:sldId id="289" r:id="rId13"/>
+    <p:sldId id="264" r:id="rId14"/>
+    <p:sldId id="278" r:id="rId15"/>
   </p:sldIdLst>
   <p:sldSz cx="12192000" cy="6858000"/>
   <p:notesSz cx="6858000" cy="9144000"/>
   <p:embeddedFontLst>
     <p:embeddedFont>
       <p:font typeface="Abril Fatface" panose="02000503000000020003" pitchFamily="2" charset="0"/>
-      <p:regular r:id="rId16"/>
+      <p:regular r:id="rId17"/>
     </p:embeddedFont>
     <p:embeddedFont>
       <p:font typeface="Calibri" panose="020F0502020204030204" pitchFamily="34" charset="0"/>
-      <p:regular r:id="rId17"/>
-      <p:bold r:id="rId18"/>
-      <p:italic r:id="rId19"/>
-      <p:boldItalic r:id="rId20"/>
+      <p:regular r:id="rId18"/>
+      <p:bold r:id="rId19"/>
+      <p:italic r:id="rId20"/>
+      <p:boldItalic r:id="rId21"/>
     </p:embeddedFont>
     <p:embeddedFont>
       <p:font typeface="Roboto" panose="02000000000000000000" pitchFamily="2" charset="0"/>
-      <p:regular r:id="rId21"/>
-      <p:bold r:id="rId22"/>
-      <p:italic r:id="rId23"/>
-      <p:boldItalic r:id="rId24"/>
+      <p:regular r:id="rId22"/>
+      <p:bold r:id="rId23"/>
+      <p:italic r:id="rId24"/>
+      <p:boldItalic r:id="rId25"/>
     </p:embeddedFont>
     <p:embeddedFont>
       <p:font typeface="Roboto Mono" panose="00000009000000000000" pitchFamily="49" charset="0"/>
-      <p:regular r:id="rId25"/>
-      <p:bold r:id="rId26"/>
-      <p:italic r:id="rId27"/>
-      <p:boldItalic r:id="rId28"/>
+      <p:regular r:id="rId26"/>
+      <p:bold r:id="rId27"/>
+      <p:italic r:id="rId28"/>
+      <p:boldItalic r:id="rId29"/>
     </p:embeddedFont>
   </p:embeddedFontLst>
   <p:defaultTextStyle>
@@ -1379,6 +1380,115 @@
   <p:cSld>
     <p:spTree>
       <p:nvGrpSpPr>
+        <p:cNvPr id="1" name="Shape 436"/>
+        <p:cNvGrpSpPr/>
+        <p:nvPr/>
+      </p:nvGrpSpPr>
+      <p:grpSpPr>
+        <a:xfrm>
+          <a:off x="0" y="0"/>
+          <a:ext cx="0" cy="0"/>
+          <a:chOff x="0" y="0"/>
+          <a:chExt cx="0" cy="0"/>
+        </a:xfrm>
+      </p:grpSpPr>
+      <p:sp>
+        <p:nvSpPr>
+          <p:cNvPr id="437" name="Google Shape;437;ga073618e60_0_106:notes"/>
+          <p:cNvSpPr>
+            <a:spLocks noGrp="1" noRot="1" noChangeAspect="1"/>
+          </p:cNvSpPr>
+          <p:nvPr>
+            <p:ph type="sldImg" idx="2"/>
+          </p:nvPr>
+        </p:nvSpPr>
+        <p:spPr>
+          <a:xfrm>
+            <a:off x="381000" y="685800"/>
+            <a:ext cx="6096000" cy="3429000"/>
+          </a:xfrm>
+          <a:custGeom>
+            <a:avLst/>
+            <a:gdLst/>
+            <a:ahLst/>
+            <a:cxnLst/>
+            <a:rect l="l" t="t" r="r" b="b"/>
+            <a:pathLst>
+              <a:path w="120000" h="120000" extrusionOk="0">
+                <a:moveTo>
+                  <a:pt x="0" y="0"/>
+                </a:moveTo>
+                <a:lnTo>
+                  <a:pt x="120000" y="0"/>
+                </a:lnTo>
+                <a:lnTo>
+                  <a:pt x="120000" y="120000"/>
+                </a:lnTo>
+                <a:lnTo>
+                  <a:pt x="0" y="120000"/>
+                </a:lnTo>
+                <a:close/>
+              </a:path>
+            </a:pathLst>
+          </a:custGeom>
+        </p:spPr>
+      </p:sp>
+      <p:sp>
+        <p:nvSpPr>
+          <p:cNvPr id="438" name="Google Shape;438;ga073618e60_0_106:notes"/>
+          <p:cNvSpPr txBox="1">
+            <a:spLocks noGrp="1"/>
+          </p:cNvSpPr>
+          <p:nvPr>
+            <p:ph type="body" idx="1"/>
+          </p:nvPr>
+        </p:nvSpPr>
+        <p:spPr>
+          <a:xfrm>
+            <a:off x="685800" y="4343400"/>
+            <a:ext cx="5486400" cy="4114800"/>
+          </a:xfrm>
+          <a:prstGeom prst="rect">
+            <a:avLst/>
+          </a:prstGeom>
+        </p:spPr>
+        <p:txBody>
+          <a:bodyPr spcFirstLastPara="1" wrap="square" lIns="91425" tIns="91425" rIns="91425" bIns="91425" anchor="t" anchorCtr="0">
+            <a:noAutofit/>
+          </a:bodyPr>
+          <a:lstStyle/>
+          <a:p>
+            <a:pPr marL="0" lvl="0" indent="0" algn="l" rtl="0">
+              <a:spcBef>
+                <a:spcPts val="0"/>
+              </a:spcBef>
+              <a:spcAft>
+                <a:spcPts val="0"/>
+              </a:spcAft>
+              <a:buNone/>
+            </a:pPr>
+            <a:endParaRPr/>
+          </a:p>
+        </p:txBody>
+      </p:sp>
+    </p:spTree>
+    <p:extLst>
+      <p:ext uri="{BB962C8B-B14F-4D97-AF65-F5344CB8AC3E}">
+        <p14:creationId xmlns:p14="http://schemas.microsoft.com/office/powerpoint/2010/main" val="3676875902"/>
+      </p:ext>
+    </p:extLst>
+  </p:cSld>
+  <p:clrMapOvr>
+    <a:masterClrMapping/>
+  </p:clrMapOvr>
+</p:notes>
+</file>
+
+<file path=ppt/notesSlides/notesSlide8.xml><?xml version="1.0" encoding="utf-8"?>
+<p:notes xmlns:a="http://schemas.openxmlformats.org/drawingml/2006/main" xmlns:r="http://schemas.openxmlformats.org/officeDocument/2006/relationships" xmlns:p="http://schemas.openxmlformats.org/presentationml/2006/main" showMasterSp="0" showMasterPhAnim="0">
+  <p:cSld>
+    <p:spTree>
+      <p:nvGrpSpPr>
         <p:cNvPr id="1" name="Shape 447"/>
         <p:cNvGrpSpPr/>
         <p:nvPr/>
@@ -1478,7 +1588,7 @@
 </p:notes>
 </file>
 
-<file path=ppt/notesSlides/notesSlide8.xml><?xml version="1.0" encoding="utf-8"?>
+<file path=ppt/notesSlides/notesSlide9.xml><?xml version="1.0" encoding="utf-8"?>
 <p:notes xmlns:a="http://schemas.openxmlformats.org/drawingml/2006/main" xmlns:r="http://schemas.openxmlformats.org/officeDocument/2006/relationships" xmlns:p="http://schemas.openxmlformats.org/presentationml/2006/main" showMasterSp="0" showMasterPhAnim="0">
   <p:cSld>
     <p:spTree>
@@ -17451,7 +17561,15 @@
             </a:pPr>
             <a:r>
               <a:rPr lang="en" dirty="0"/>
-              <a:t>WORKING WITH </a:t>
+              <a:t>CHALL</a:t>
+            </a:r>
+            <a:r>
+              <a:rPr lang="de-DE" dirty="0"/>
+              <a:t>E</a:t>
+            </a:r>
+            <a:r>
+              <a:rPr lang="en" dirty="0"/>
+              <a:t>NGE </a:t>
             </a:r>
             <a:r>
               <a:rPr lang="en" sz="6000" dirty="0">
@@ -17517,18 +17635,18 @@
       </p:sp>
       <p:sp>
         <p:nvSpPr>
-          <p:cNvPr id="442" name="Google Shape;442;p29"/>
+          <p:cNvPr id="446" name="Google Shape;446;p29"/>
           <p:cNvSpPr txBox="1">
             <a:spLocks noGrp="1"/>
           </p:cNvSpPr>
           <p:nvPr>
-            <p:ph type="body" idx="5"/>
+            <p:ph type="body" idx="4"/>
           </p:nvPr>
         </p:nvSpPr>
         <p:spPr>
           <a:xfrm>
-            <a:off x="1217550" y="3526878"/>
-            <a:ext cx="9755100" cy="923400"/>
+            <a:off x="1217550" y="2238218"/>
+            <a:ext cx="9755100" cy="925200"/>
           </a:xfrm>
           <a:prstGeom prst="rect">
             <a:avLst/>
@@ -17545,75 +17663,152 @@
                 <a:spcPts val="0"/>
               </a:spcBef>
               <a:spcAft>
-                <a:spcPts val="0"/>
+                <a:spcPts val="2100"/>
               </a:spcAft>
               <a:buNone/>
             </a:pPr>
             <a:r>
               <a:rPr lang="en-US" dirty="0"/>
-              <a:t>Add, subtract or multiply two, three or four numbers together and print the result to the console.</a:t>
+              <a:t>Dein </a:t>
+            </a:r>
+            <a:r>
+              <a:rPr lang="en-US" dirty="0" err="1"/>
+              <a:t>erster</a:t>
+            </a:r>
+            <a:r>
+              <a:rPr lang="en-US" dirty="0"/>
+              <a:t> python code.</a:t>
+            </a:r>
+            <a:br>
+              <a:rPr lang="en-US" dirty="0"/>
+            </a:br>
+            <a:r>
+              <a:rPr lang="en-US" dirty="0" err="1"/>
+              <a:t>Schreibe</a:t>
+            </a:r>
+            <a:r>
+              <a:rPr lang="en-US" dirty="0"/>
+              <a:t> python code der die </a:t>
+            </a:r>
+            <a:r>
+              <a:rPr lang="en-US" dirty="0" err="1"/>
+              <a:t>Zeile</a:t>
+            </a:r>
+            <a:r>
+              <a:rPr lang="en-US" dirty="0"/>
+              <a:t> “Hello World!” </a:t>
+            </a:r>
+            <a:r>
+              <a:rPr lang="en-US" dirty="0" err="1"/>
+              <a:t>ausgiebt</a:t>
+            </a:r>
+            <a:r>
+              <a:rPr lang="en-US" dirty="0"/>
+              <a:t>.</a:t>
             </a:r>
           </a:p>
+        </p:txBody>
+      </p:sp>
+    </p:spTree>
+  </p:cSld>
+  <p:clrMapOvr>
+    <a:masterClrMapping/>
+  </p:clrMapOvr>
+</p:sld>
+</file>
+
+<file path=ppt/slides/slide12.xml><?xml version="1.0" encoding="utf-8"?>
+<p:sld xmlns:a="http://schemas.openxmlformats.org/drawingml/2006/main" xmlns:r="http://schemas.openxmlformats.org/officeDocument/2006/relationships" xmlns:p="http://schemas.openxmlformats.org/presentationml/2006/main">
+  <p:cSld>
+    <p:spTree>
+      <p:nvGrpSpPr>
+        <p:cNvPr id="1" name="Shape 439"/>
+        <p:cNvGrpSpPr/>
+        <p:nvPr/>
+      </p:nvGrpSpPr>
+      <p:grpSpPr>
+        <a:xfrm>
+          <a:off x="0" y="0"/>
+          <a:ext cx="0" cy="0"/>
+          <a:chOff x="0" y="0"/>
+          <a:chExt cx="0" cy="0"/>
+        </a:xfrm>
+      </p:grpSpPr>
+      <p:sp>
+        <p:nvSpPr>
+          <p:cNvPr id="440" name="Google Shape;440;p29"/>
+          <p:cNvSpPr txBox="1">
+            <a:spLocks noGrp="1"/>
+          </p:cNvSpPr>
+          <p:nvPr>
+            <p:ph type="title"/>
+          </p:nvPr>
+        </p:nvSpPr>
+        <p:spPr>
+          <a:xfrm>
+            <a:off x="684150" y="358863"/>
+            <a:ext cx="9755100" cy="763500"/>
+          </a:xfrm>
+          <a:prstGeom prst="rect">
+            <a:avLst/>
+          </a:prstGeom>
+        </p:spPr>
+        <p:txBody>
+          <a:bodyPr spcFirstLastPara="1" wrap="square" lIns="121900" tIns="121900" rIns="121900" bIns="121900" anchor="t" anchorCtr="0">
+            <a:noAutofit/>
+          </a:bodyPr>
+          <a:lstStyle/>
           <a:p>
-            <a:pPr marL="0" indent="0">
+            <a:pPr marL="0" lvl="0" indent="0" algn="l" rtl="0">
+              <a:spcBef>
+                <a:spcPts val="0"/>
+              </a:spcBef>
+              <a:spcAft>
+                <a:spcPts val="0"/>
+              </a:spcAft>
               <a:buNone/>
             </a:pPr>
             <a:r>
-              <a:rPr lang="en-US" dirty="0"/>
-              <a:t>Follow the instructions in task_1.</a:t>
+              <a:rPr lang="en" dirty="0"/>
+              <a:t>CHALL</a:t>
             </a:r>
-          </a:p>
-          <a:p>
-            <a:pPr marL="0" lvl="0" indent="0" algn="l" rtl="0">
-              <a:spcBef>
-                <a:spcPts val="0"/>
-              </a:spcBef>
-              <a:spcAft>
-                <a:spcPts val="0"/>
-              </a:spcAft>
-              <a:buNone/>
-            </a:pPr>
-            <a:endParaRPr lang="en-US" dirty="0"/>
-          </a:p>
-          <a:p>
-            <a:pPr marL="0" lvl="0" indent="0" algn="l" rtl="0">
-              <a:spcBef>
-                <a:spcPts val="2100"/>
-              </a:spcBef>
-              <a:spcAft>
-                <a:spcPts val="0"/>
-              </a:spcAft>
-              <a:buNone/>
-            </a:pPr>
-            <a:endParaRPr dirty="0"/>
-          </a:p>
-          <a:p>
-            <a:pPr marL="0" lvl="0" indent="0" algn="l" rtl="0">
-              <a:spcBef>
-                <a:spcPts val="2100"/>
-              </a:spcBef>
-              <a:spcAft>
-                <a:spcPts val="2100"/>
-              </a:spcAft>
-              <a:buNone/>
-            </a:pPr>
-            <a:endParaRPr dirty="0"/>
+            <a:r>
+              <a:rPr lang="de-DE" dirty="0"/>
+              <a:t>E</a:t>
+            </a:r>
+            <a:r>
+              <a:rPr lang="en" dirty="0"/>
+              <a:t>NGE </a:t>
+            </a:r>
+            <a:r>
+              <a:rPr lang="en" sz="6000" dirty="0">
+                <a:solidFill>
+                  <a:schemeClr val="accent2"/>
+                </a:solidFill>
+              </a:rPr>
+              <a:t>PYTHON</a:t>
+            </a:r>
+            <a:endParaRPr sz="6000" dirty="0">
+              <a:solidFill>
+                <a:schemeClr val="accent2"/>
+              </a:solidFill>
+            </a:endParaRPr>
           </a:p>
         </p:txBody>
       </p:sp>
       <p:sp>
         <p:nvSpPr>
-          <p:cNvPr id="443" name="Google Shape;443;p29"/>
+          <p:cNvPr id="441" name="Google Shape;441;p29"/>
           <p:cNvSpPr txBox="1">
             <a:spLocks noGrp="1"/>
           </p:cNvSpPr>
           <p:nvPr>
-            <p:ph type="subTitle" idx="2"/>
+            <p:ph type="subTitle" idx="1"/>
           </p:nvPr>
         </p:nvSpPr>
         <p:spPr>
           <a:xfrm>
-            <a:off x="1217558" y="3100360"/>
+            <a:off x="1217558" y="1800269"/>
             <a:ext cx="9755100" cy="606900"/>
           </a:xfrm>
           <a:prstGeom prst="rect">
@@ -17638,16 +17833,12 @@
             <a:r>
               <a:rPr lang="en" dirty="0">
                 <a:solidFill>
-                  <a:schemeClr val="accent2"/>
+                  <a:schemeClr val="accent3"/>
                 </a:solidFill>
               </a:rPr>
-              <a:t>Basic calculation</a:t>
+              <a:t>Einfache Kalkulation</a:t>
             </a:r>
-            <a:endParaRPr dirty="0">
-              <a:solidFill>
-                <a:schemeClr val="accent2"/>
-              </a:solidFill>
-            </a:endParaRPr>
+            <a:endParaRPr dirty="0"/>
           </a:p>
         </p:txBody>
       </p:sp>
@@ -17686,70 +17877,153 @@
               <a:buNone/>
             </a:pPr>
             <a:r>
+              <a:rPr lang="en-US" dirty="0" err="1"/>
+              <a:t>Ziel</a:t>
+            </a:r>
+            <a:r>
               <a:rPr lang="en-US" dirty="0"/>
-              <a:t>The objective is to output the classic "Hello, World!" message to the console. </a:t>
+              <a:t> </a:t>
+            </a:r>
+            <a:r>
+              <a:rPr lang="en-US" dirty="0" err="1"/>
+              <a:t>ist</a:t>
+            </a:r>
+            <a:r>
+              <a:rPr lang="en-US" dirty="0"/>
+              <a:t> </a:t>
+            </a:r>
+            <a:r>
+              <a:rPr lang="en-US" dirty="0" err="1"/>
+              <a:t>ein</a:t>
+            </a:r>
+            <a:r>
+              <a:rPr lang="en-US" dirty="0"/>
+              <a:t> </a:t>
+            </a:r>
+            <a:r>
+              <a:rPr lang="en-US" dirty="0" err="1"/>
+              <a:t>Taschenrechner</a:t>
+            </a:r>
+            <a:r>
+              <a:rPr lang="en-US" dirty="0"/>
+              <a:t>, </a:t>
+            </a:r>
+            <a:r>
+              <a:rPr lang="en-US" dirty="0" err="1"/>
+              <a:t>welcher</a:t>
+            </a:r>
+            <a:r>
+              <a:rPr lang="en-US" dirty="0"/>
+              <a:t> </a:t>
+            </a:r>
+            <a:r>
+              <a:rPr lang="en-US" dirty="0" err="1"/>
+              <a:t>zwei</a:t>
+            </a:r>
+            <a:r>
+              <a:rPr lang="en-US" dirty="0"/>
+              <a:t> </a:t>
+            </a:r>
+            <a:r>
+              <a:rPr lang="en-US" dirty="0" err="1"/>
+              <a:t>ganze</a:t>
+            </a:r>
+            <a:r>
+              <a:rPr lang="en-US" dirty="0"/>
+              <a:t> </a:t>
+            </a:r>
+            <a:r>
+              <a:rPr lang="en-US" dirty="0" err="1"/>
+              <a:t>Zahlen</a:t>
+            </a:r>
+            <a:r>
+              <a:rPr lang="en-US" dirty="0"/>
+              <a:t> </a:t>
+            </a:r>
+            <a:r>
+              <a:rPr lang="en-US" dirty="0" err="1"/>
+              <a:t>addieren</a:t>
+            </a:r>
+            <a:r>
+              <a:rPr lang="en-US" dirty="0"/>
+              <a:t> </a:t>
+            </a:r>
+            <a:r>
+              <a:rPr lang="en-US" dirty="0" err="1"/>
+              <a:t>kann</a:t>
+            </a:r>
+            <a:r>
+              <a:rPr lang="en-US" dirty="0"/>
+              <a:t>.</a:t>
             </a:r>
             <a:br>
               <a:rPr lang="en-US" dirty="0"/>
             </a:br>
             <a:r>
+              <a:rPr lang="en-US" dirty="0" err="1"/>
+              <a:t>Schreibe</a:t>
+            </a:r>
+            <a:r>
               <a:rPr lang="en-US" dirty="0"/>
-              <a:t>Follow the instructions in task_1.</a:t>
+              <a:t> code </a:t>
+            </a:r>
+            <a:r>
+              <a:rPr lang="en-US" dirty="0" err="1"/>
+              <a:t>welcher</a:t>
+            </a:r>
+            <a:r>
+              <a:rPr lang="en-US" dirty="0"/>
+              <a:t> </a:t>
+            </a:r>
+            <a:r>
+              <a:rPr lang="en-US" dirty="0" err="1"/>
+              <a:t>zwei</a:t>
+            </a:r>
+            <a:r>
+              <a:rPr lang="en-US" dirty="0"/>
+              <a:t> </a:t>
+            </a:r>
+            <a:r>
+              <a:rPr lang="en-US" dirty="0" err="1"/>
+              <a:t>Zahlen</a:t>
+            </a:r>
+            <a:r>
+              <a:rPr lang="en-US" dirty="0"/>
+              <a:t> </a:t>
+            </a:r>
+            <a:r>
+              <a:rPr lang="en-US" dirty="0" err="1"/>
+              <a:t>abfragt</a:t>
+            </a:r>
+            <a:r>
+              <a:rPr lang="en-US" dirty="0"/>
+              <a:t> und das </a:t>
+            </a:r>
+            <a:r>
+              <a:rPr lang="en-US" dirty="0" err="1"/>
+              <a:t>Ergebnis</a:t>
+            </a:r>
+            <a:r>
+              <a:rPr lang="en-US" dirty="0"/>
+              <a:t> </a:t>
+            </a:r>
+            <a:r>
+              <a:rPr lang="en-US" dirty="0" err="1"/>
+              <a:t>ausgiebt</a:t>
+            </a:r>
+            <a:r>
+              <a:rPr lang="en-US" dirty="0"/>
+              <a:t>.</a:t>
             </a:r>
           </a:p>
         </p:txBody>
       </p:sp>
-      <p:sp>
-        <p:nvSpPr>
-          <p:cNvPr id="4" name="Subtitle 3">
-            <a:extLst>
-              <a:ext uri="{FF2B5EF4-FFF2-40B4-BE49-F238E27FC236}">
-                <a16:creationId xmlns:a16="http://schemas.microsoft.com/office/drawing/2014/main" id="{40BC2A00-107A-1D4E-88BF-F1D03224CD81}"/>
-              </a:ext>
-            </a:extLst>
-          </p:cNvPr>
-          <p:cNvSpPr>
-            <a:spLocks noGrp="1"/>
-          </p:cNvSpPr>
-          <p:nvPr>
-            <p:ph type="subTitle" idx="3"/>
-          </p:nvPr>
-        </p:nvSpPr>
-        <p:spPr/>
-        <p:txBody>
-          <a:bodyPr/>
-          <a:lstStyle/>
-          <a:p>
-            <a:endParaRPr lang="de-DE" dirty="0"/>
-          </a:p>
-        </p:txBody>
-      </p:sp>
-      <p:sp>
-        <p:nvSpPr>
-          <p:cNvPr id="6" name="Text Placeholder 5">
-            <a:extLst>
-              <a:ext uri="{FF2B5EF4-FFF2-40B4-BE49-F238E27FC236}">
-                <a16:creationId xmlns:a16="http://schemas.microsoft.com/office/drawing/2014/main" id="{02F2DAB8-82CB-2037-8E9B-377AB83B497C}"/>
-              </a:ext>
-            </a:extLst>
-          </p:cNvPr>
-          <p:cNvSpPr>
-            <a:spLocks noGrp="1"/>
-          </p:cNvSpPr>
-          <p:nvPr>
-            <p:ph type="body" idx="6"/>
-          </p:nvPr>
-        </p:nvSpPr>
-        <p:spPr/>
-        <p:txBody>
-          <a:bodyPr/>
-          <a:lstStyle/>
-          <a:p>
-            <a:endParaRPr lang="de-DE"/>
-          </a:p>
-        </p:txBody>
-      </p:sp>
     </p:spTree>
+    <p:extLst>
+      <p:ext uri="{BB962C8B-B14F-4D97-AF65-F5344CB8AC3E}">
+        <p14:creationId xmlns:p14="http://schemas.microsoft.com/office/powerpoint/2010/main" val="4155880635"/>
+      </p:ext>
+    </p:extLst>
   </p:cSld>
   <p:clrMapOvr>
     <a:masterClrMapping/>
@@ -17757,7 +18031,7 @@
 </p:sld>
 </file>
 
-<file path=ppt/slides/slide12.xml><?xml version="1.0" encoding="utf-8"?>
+<file path=ppt/slides/slide13.xml><?xml version="1.0" encoding="utf-8"?>
 <p:sld xmlns:a="http://schemas.openxmlformats.org/drawingml/2006/main" xmlns:r="http://schemas.openxmlformats.org/officeDocument/2006/relationships" xmlns:p="http://schemas.openxmlformats.org/presentationml/2006/main">
   <p:cSld>
     <p:spTree>
@@ -17836,7 +18110,7 @@
 </p:sld>
 </file>
 
-<file path=ppt/slides/slide13.xml><?xml version="1.0" encoding="utf-8"?>
+<file path=ppt/slides/slide14.xml><?xml version="1.0" encoding="utf-8"?>
 <p:sld xmlns:a="http://schemas.openxmlformats.org/drawingml/2006/main" xmlns:r="http://schemas.openxmlformats.org/officeDocument/2006/relationships" xmlns:p="http://schemas.openxmlformats.org/presentationml/2006/main">
   <p:cSld>
     <p:spTree>

--- a/lesson_1/lesson_1_ger.pptx
+++ b/lesson_1/lesson_1_ger.pptx
@@ -27,7 +27,7 @@
   <p:notesSz cx="6858000" cy="9144000"/>
   <p:embeddedFontLst>
     <p:embeddedFont>
-      <p:font typeface="Abril Fatface" panose="02000503000000020003" pitchFamily="2" charset="0"/>
+      <p:font typeface="Abril Fatface" panose="02000503000000020003" pitchFamily="2" charset="77"/>
       <p:regular r:id="rId17"/>
     </p:embeddedFont>
     <p:embeddedFont>
@@ -45,7 +45,7 @@
       <p:boldItalic r:id="rId25"/>
     </p:embeddedFont>
     <p:embeddedFont>
-      <p:font typeface="Roboto Mono" panose="00000009000000000000" pitchFamily="49" charset="0"/>
+      <p:font typeface="Roboto Mono" pitchFamily="49" charset="0"/>
       <p:regular r:id="rId26"/>
       <p:bold r:id="rId27"/>
       <p:italic r:id="rId28"/>
@@ -11109,7 +11109,7 @@
             </a:pPr>
             <a:fld id="{00000000-1234-1234-1234-123412341234}" type="slidenum">
               <a:rPr lang="en"/>
-              <a:t>‹Nr.›</a:t>
+              <a:t>‹#›</a:t>
             </a:fld>
             <a:endParaRPr/>
           </a:p>
@@ -22337,7 +22337,7 @@
           <a:p>
             <a:r>
               <a:rPr lang="de-DE" dirty="0"/>
-              <a:t>See </a:t>
+              <a:t>Siehe </a:t>
             </a:r>
             <a:r>
               <a:rPr lang="de-DE" dirty="0">
@@ -22345,9 +22345,37 @@
                   <a:srgbClr val="AF81A6"/>
                 </a:solidFill>
               </a:rPr>
-              <a:t>installation.pdf</a:t>
+              <a:t>https://</a:t>
             </a:r>
-            <a:endParaRPr lang="de-DE" dirty="0"/>
+            <a:r>
+              <a:rPr lang="de-DE" dirty="0" err="1">
+                <a:solidFill>
+                  <a:srgbClr val="AF81A6"/>
+                </a:solidFill>
+              </a:rPr>
+              <a:t>stura.link</a:t>
+            </a:r>
+            <a:r>
+              <a:rPr lang="de-DE" dirty="0">
+                <a:solidFill>
+                  <a:srgbClr val="AF81A6"/>
+                </a:solidFill>
+              </a:rPr>
+              <a:t>/</a:t>
+            </a:r>
+            <a:r>
+              <a:rPr lang="de-DE" dirty="0" err="1">
+                <a:solidFill>
+                  <a:srgbClr val="AF81A6"/>
+                </a:solidFill>
+              </a:rPr>
+              <a:t>pyInstall</a:t>
+            </a:r>
+            <a:endParaRPr lang="de-DE" dirty="0">
+              <a:solidFill>
+                <a:srgbClr val="AF81A6"/>
+              </a:solidFill>
+            </a:endParaRPr>
           </a:p>
         </p:txBody>
       </p:sp>
